--- a/paper/report.pptx
+++ b/paper/report.pptx
@@ -4165,19 +4165,19 @@
               <a:t>)算法的时间消耗较大，这个也影响了我对模型的评估</a:t>
             </a:r>
             <a:r>
-              <a:rPr lang="" altLang="zh-CN">
+              <a:rPr lang="en-US" altLang="zh-CN">
                 <a:sym typeface="+mn-ea"/>
               </a:rPr>
               <a:t>(</a:t>
             </a:r>
             <a:r>
-              <a:rPr lang="zh-CN" altLang="">
+              <a:rPr lang="zh-CN" altLang="en-US">
                 <a:sym typeface="+mn-ea"/>
               </a:rPr>
               <a:t>机器跑太慢</a:t>
             </a:r>
             <a:r>
-              <a:rPr lang="" altLang="zh-CN">
+              <a:rPr lang="en-US" altLang="zh-CN">
                 <a:sym typeface="+mn-ea"/>
               </a:rPr>
               <a:t>)</a:t>
@@ -4202,24 +4202,6 @@
             <a:pPr marL="0" indent="0">
               <a:buNone/>
             </a:pPr>
-            <a:r>
-              <a:rPr lang="zh-CN" altLang="en-US">
-                <a:hlinkClick r:id="rId1" action="ppaction://hlinkfile"/>
-              </a:rPr>
-              <a:t>参考论文</a:t>
-            </a:r>
-            <a:r>
-              <a:rPr lang="en-US" altLang="zh-CN"/>
-              <a:t> </a:t>
-            </a:r>
-            <a:r>
-              <a:rPr lang="zh-CN" altLang="en-US"/>
-              <a:t>：</a:t>
-            </a:r>
-            <a:r>
-              <a:rPr lang="en-US" altLang="zh-CN"/>
-              <a:t> </a:t>
-            </a:r>
             <a:r>
               <a:rPr lang="zh-CN" altLang="en-US"/>
               <a:t>本网参考了知网的一篇文章，借鉴了它改进的</a:t>
